--- a/Documentation/Images/Figures_nodes.pptx
+++ b/Documentation/Images/Figures_nodes.pptx
@@ -6,7 +6,9 @@
   </p:sldMasterIdLst>
   <p:sldIdLst>
     <p:sldId id="256" r:id="rId2"/>
-    <p:sldId id="258" r:id="rId3"/>
+    <p:sldId id="259" r:id="rId3"/>
+    <p:sldId id="260" r:id="rId4"/>
+    <p:sldId id="258" r:id="rId5"/>
   </p:sldIdLst>
   <p:sldSz cx="12192000" cy="6858000"/>
   <p:notesSz cx="6858000" cy="9144000"/>
@@ -544,7 +546,7 @@
           <a:p>
             <a:fld id="{E45C3B1E-5F59-435C-A8AE-62DF7BDFC188}" type="datetimeFigureOut">
               <a:rPr lang="es-ES" smtClean="0"/>
-              <a:t>03/09/2023</a:t>
+              <a:t>07/10/2024</a:t>
             </a:fld>
             <a:endParaRPr lang="es-ES"/>
           </a:p>
@@ -742,7 +744,7 @@
           <a:p>
             <a:fld id="{E45C3B1E-5F59-435C-A8AE-62DF7BDFC188}" type="datetimeFigureOut">
               <a:rPr lang="es-ES" smtClean="0"/>
-              <a:t>03/09/2023</a:t>
+              <a:t>07/10/2024</a:t>
             </a:fld>
             <a:endParaRPr lang="es-ES"/>
           </a:p>
@@ -950,7 +952,7 @@
           <a:p>
             <a:fld id="{E45C3B1E-5F59-435C-A8AE-62DF7BDFC188}" type="datetimeFigureOut">
               <a:rPr lang="es-ES" smtClean="0"/>
-              <a:t>03/09/2023</a:t>
+              <a:t>07/10/2024</a:t>
             </a:fld>
             <a:endParaRPr lang="es-ES"/>
           </a:p>
@@ -1148,7 +1150,7 @@
           <a:p>
             <a:fld id="{E45C3B1E-5F59-435C-A8AE-62DF7BDFC188}" type="datetimeFigureOut">
               <a:rPr lang="es-ES" smtClean="0"/>
-              <a:t>03/09/2023</a:t>
+              <a:t>07/10/2024</a:t>
             </a:fld>
             <a:endParaRPr lang="es-ES"/>
           </a:p>
@@ -1423,7 +1425,7 @@
           <a:p>
             <a:fld id="{E45C3B1E-5F59-435C-A8AE-62DF7BDFC188}" type="datetimeFigureOut">
               <a:rPr lang="es-ES" smtClean="0"/>
-              <a:t>03/09/2023</a:t>
+              <a:t>07/10/2024</a:t>
             </a:fld>
             <a:endParaRPr lang="es-ES"/>
           </a:p>
@@ -1688,7 +1690,7 @@
           <a:p>
             <a:fld id="{E45C3B1E-5F59-435C-A8AE-62DF7BDFC188}" type="datetimeFigureOut">
               <a:rPr lang="es-ES" smtClean="0"/>
-              <a:t>03/09/2023</a:t>
+              <a:t>07/10/2024</a:t>
             </a:fld>
             <a:endParaRPr lang="es-ES"/>
           </a:p>
@@ -2100,7 +2102,7 @@
           <a:p>
             <a:fld id="{E45C3B1E-5F59-435C-A8AE-62DF7BDFC188}" type="datetimeFigureOut">
               <a:rPr lang="es-ES" smtClean="0"/>
-              <a:t>03/09/2023</a:t>
+              <a:t>07/10/2024</a:t>
             </a:fld>
             <a:endParaRPr lang="es-ES"/>
           </a:p>
@@ -2241,7 +2243,7 @@
           <a:p>
             <a:fld id="{E45C3B1E-5F59-435C-A8AE-62DF7BDFC188}" type="datetimeFigureOut">
               <a:rPr lang="es-ES" smtClean="0"/>
-              <a:t>03/09/2023</a:t>
+              <a:t>07/10/2024</a:t>
             </a:fld>
             <a:endParaRPr lang="es-ES"/>
           </a:p>
@@ -2354,7 +2356,7 @@
           <a:p>
             <a:fld id="{E45C3B1E-5F59-435C-A8AE-62DF7BDFC188}" type="datetimeFigureOut">
               <a:rPr lang="es-ES" smtClean="0"/>
-              <a:t>03/09/2023</a:t>
+              <a:t>07/10/2024</a:t>
             </a:fld>
             <a:endParaRPr lang="es-ES"/>
           </a:p>
@@ -2665,7 +2667,7 @@
           <a:p>
             <a:fld id="{E45C3B1E-5F59-435C-A8AE-62DF7BDFC188}" type="datetimeFigureOut">
               <a:rPr lang="es-ES" smtClean="0"/>
-              <a:t>03/09/2023</a:t>
+              <a:t>07/10/2024</a:t>
             </a:fld>
             <a:endParaRPr lang="es-ES"/>
           </a:p>
@@ -2953,7 +2955,7 @@
           <a:p>
             <a:fld id="{E45C3B1E-5F59-435C-A8AE-62DF7BDFC188}" type="datetimeFigureOut">
               <a:rPr lang="es-ES" smtClean="0"/>
-              <a:t>03/09/2023</a:t>
+              <a:t>07/10/2024</a:t>
             </a:fld>
             <a:endParaRPr lang="es-ES"/>
           </a:p>
@@ -3194,7 +3196,7 @@
           <a:p>
             <a:fld id="{E45C3B1E-5F59-435C-A8AE-62DF7BDFC188}" type="datetimeFigureOut">
               <a:rPr lang="es-ES" smtClean="0"/>
-              <a:t>03/09/2023</a:t>
+              <a:t>07/10/2024</a:t>
             </a:fld>
             <a:endParaRPr lang="es-ES"/>
           </a:p>
@@ -4012,6 +4014,111 @@
           </a:p>
         </p:txBody>
       </p:sp>
+      <p:sp>
+        <p:nvSpPr>
+          <p:cNvPr id="3" name="TextBox 2">
+            <a:extLst>
+              <a:ext uri="{FF2B5EF4-FFF2-40B4-BE49-F238E27FC236}">
+                <a16:creationId xmlns:a16="http://schemas.microsoft.com/office/drawing/2014/main" id="{CC196115-2562-4206-3689-0F97EB1BC5EC}"/>
+              </a:ext>
+            </a:extLst>
+          </p:cNvPr>
+          <p:cNvSpPr txBox="1"/>
+          <p:nvPr/>
+        </p:nvSpPr>
+        <p:spPr>
+          <a:xfrm>
+            <a:off x="3048755" y="3246597"/>
+            <a:ext cx="6097508" cy="369332"/>
+          </a:xfrm>
+          <a:prstGeom prst="rect">
+            <a:avLst/>
+          </a:prstGeom>
+          <a:noFill/>
+        </p:spPr>
+        <p:txBody>
+          <a:bodyPr wrap="square">
+            <a:spAutoFit/>
+          </a:bodyPr>
+          <a:lstStyle/>
+          <a:p>
+            <a:r>
+              <a:rPr lang="en-GB" dirty="0"/>
+              <a:t>221027</a:t>
+            </a:r>
+          </a:p>
+        </p:txBody>
+      </p:sp>
+      <p:sp>
+        <p:nvSpPr>
+          <p:cNvPr id="15" name="TextBox 14">
+            <a:extLst>
+              <a:ext uri="{FF2B5EF4-FFF2-40B4-BE49-F238E27FC236}">
+                <a16:creationId xmlns:a16="http://schemas.microsoft.com/office/drawing/2014/main" id="{59707D16-BDA9-E842-13A3-AAEA97015A39}"/>
+              </a:ext>
+            </a:extLst>
+          </p:cNvPr>
+          <p:cNvSpPr txBox="1"/>
+          <p:nvPr/>
+        </p:nvSpPr>
+        <p:spPr>
+          <a:xfrm>
+            <a:off x="3048755" y="3246597"/>
+            <a:ext cx="6097508" cy="369332"/>
+          </a:xfrm>
+          <a:prstGeom prst="rect">
+            <a:avLst/>
+          </a:prstGeom>
+          <a:noFill/>
+        </p:spPr>
+        <p:txBody>
+          <a:bodyPr wrap="square">
+            <a:spAutoFit/>
+          </a:bodyPr>
+          <a:lstStyle/>
+          <a:p>
+            <a:r>
+              <a:rPr lang="en-GB" dirty="0"/>
+              <a:t>221027</a:t>
+            </a:r>
+          </a:p>
+        </p:txBody>
+      </p:sp>
+      <p:sp>
+        <p:nvSpPr>
+          <p:cNvPr id="17" name="TextBox 16">
+            <a:extLst>
+              <a:ext uri="{FF2B5EF4-FFF2-40B4-BE49-F238E27FC236}">
+                <a16:creationId xmlns:a16="http://schemas.microsoft.com/office/drawing/2014/main" id="{6214218F-FE73-0B3D-A992-3B2ECBC15930}"/>
+              </a:ext>
+            </a:extLst>
+          </p:cNvPr>
+          <p:cNvSpPr txBox="1"/>
+          <p:nvPr/>
+        </p:nvSpPr>
+        <p:spPr>
+          <a:xfrm>
+            <a:off x="3048755" y="3246597"/>
+            <a:ext cx="6097508" cy="369332"/>
+          </a:xfrm>
+          <a:prstGeom prst="rect">
+            <a:avLst/>
+          </a:prstGeom>
+          <a:noFill/>
+        </p:spPr>
+        <p:txBody>
+          <a:bodyPr wrap="square">
+            <a:spAutoFit/>
+          </a:bodyPr>
+          <a:lstStyle/>
+          <a:p>
+            <a:r>
+              <a:rPr lang="en-GB" dirty="0"/>
+              <a:t>221027</a:t>
+            </a:r>
+          </a:p>
+        </p:txBody>
+      </p:sp>
     </p:spTree>
     <p:extLst>
       <p:ext uri="{BB962C8B-B14F-4D97-AF65-F5344CB8AC3E}">
@@ -4026,6 +4133,1027 @@
 </file>
 
 <file path=ppt/slides/slide2.xml><?xml version="1.0" encoding="utf-8"?>
+<p:sld xmlns:a="http://schemas.openxmlformats.org/drawingml/2006/main" xmlns:r="http://schemas.openxmlformats.org/officeDocument/2006/relationships" xmlns:p="http://schemas.openxmlformats.org/presentationml/2006/main">
+  <p:cSld>
+    <p:spTree>
+      <p:nvGrpSpPr>
+        <p:cNvPr id="1" name=""/>
+        <p:cNvGrpSpPr/>
+        <p:nvPr/>
+      </p:nvGrpSpPr>
+      <p:grpSpPr>
+        <a:xfrm>
+          <a:off x="0" y="0"/>
+          <a:ext cx="0" cy="0"/>
+          <a:chOff x="0" y="0"/>
+          <a:chExt cx="0" cy="0"/>
+        </a:xfrm>
+      </p:grpSpPr>
+      <p:sp>
+        <p:nvSpPr>
+          <p:cNvPr id="4" name="Elipse 3">
+            <a:extLst>
+              <a:ext uri="{FF2B5EF4-FFF2-40B4-BE49-F238E27FC236}">
+                <a16:creationId xmlns:a16="http://schemas.microsoft.com/office/drawing/2014/main" id="{BDAB1ED8-1EC5-4AE6-A077-D77A8D32DA99}"/>
+              </a:ext>
+            </a:extLst>
+          </p:cNvPr>
+          <p:cNvSpPr/>
+          <p:nvPr/>
+        </p:nvSpPr>
+        <p:spPr>
+          <a:xfrm>
+            <a:off x="853666" y="2343705"/>
+            <a:ext cx="3027285" cy="1882066"/>
+          </a:xfrm>
+          <a:prstGeom prst="ellipse">
+            <a:avLst/>
+          </a:prstGeom>
+          <a:noFill/>
+          <a:ln w="38100"/>
+        </p:spPr>
+        <p:style>
+          <a:lnRef idx="2">
+            <a:schemeClr val="accent1">
+              <a:shade val="50000"/>
+            </a:schemeClr>
+          </a:lnRef>
+          <a:fillRef idx="1">
+            <a:schemeClr val="accent1"/>
+          </a:fillRef>
+          <a:effectRef idx="0">
+            <a:schemeClr val="accent1"/>
+          </a:effectRef>
+          <a:fontRef idx="minor">
+            <a:schemeClr val="lt1"/>
+          </a:fontRef>
+        </p:style>
+        <p:txBody>
+          <a:bodyPr rtlCol="0" anchor="ctr"/>
+          <a:lstStyle/>
+          <a:p>
+            <a:pPr algn="ctr"/>
+            <a:endParaRPr lang="es-ES"/>
+          </a:p>
+        </p:txBody>
+      </p:sp>
+      <p:sp>
+        <p:nvSpPr>
+          <p:cNvPr id="5" name="CuadroTexto 4">
+            <a:extLst>
+              <a:ext uri="{FF2B5EF4-FFF2-40B4-BE49-F238E27FC236}">
+                <a16:creationId xmlns:a16="http://schemas.microsoft.com/office/drawing/2014/main" id="{3E61DCAD-DE6A-4FC8-A384-18089FE65964}"/>
+              </a:ext>
+            </a:extLst>
+          </p:cNvPr>
+          <p:cNvSpPr txBox="1"/>
+          <p:nvPr/>
+        </p:nvSpPr>
+        <p:spPr>
+          <a:xfrm>
+            <a:off x="1433381" y="3023981"/>
+            <a:ext cx="1904111" cy="461665"/>
+          </a:xfrm>
+          <a:prstGeom prst="rect">
+            <a:avLst/>
+          </a:prstGeom>
+          <a:noFill/>
+        </p:spPr>
+        <p:txBody>
+          <a:bodyPr wrap="none" rtlCol="0">
+            <a:spAutoFit/>
+          </a:bodyPr>
+          <a:lstStyle/>
+          <a:p>
+            <a:r>
+              <a:rPr lang="es-ES" sz="2400" b="1" dirty="0"/>
+              <a:t>/move_turtle</a:t>
+            </a:r>
+          </a:p>
+        </p:txBody>
+      </p:sp>
+      <p:sp>
+        <p:nvSpPr>
+          <p:cNvPr id="6" name="Elipse 5">
+            <a:extLst>
+              <a:ext uri="{FF2B5EF4-FFF2-40B4-BE49-F238E27FC236}">
+                <a16:creationId xmlns:a16="http://schemas.microsoft.com/office/drawing/2014/main" id="{3787780B-C63C-440A-B262-F151DF655203}"/>
+              </a:ext>
+            </a:extLst>
+          </p:cNvPr>
+          <p:cNvSpPr/>
+          <p:nvPr/>
+        </p:nvSpPr>
+        <p:spPr>
+          <a:xfrm>
+            <a:off x="6420035" y="2343705"/>
+            <a:ext cx="3027285" cy="1882066"/>
+          </a:xfrm>
+          <a:prstGeom prst="ellipse">
+            <a:avLst/>
+          </a:prstGeom>
+          <a:noFill/>
+          <a:ln w="38100"/>
+        </p:spPr>
+        <p:style>
+          <a:lnRef idx="2">
+            <a:schemeClr val="accent1">
+              <a:shade val="50000"/>
+            </a:schemeClr>
+          </a:lnRef>
+          <a:fillRef idx="1">
+            <a:schemeClr val="accent1"/>
+          </a:fillRef>
+          <a:effectRef idx="0">
+            <a:schemeClr val="accent1"/>
+          </a:effectRef>
+          <a:fontRef idx="minor">
+            <a:schemeClr val="lt1"/>
+          </a:fontRef>
+        </p:style>
+        <p:txBody>
+          <a:bodyPr rtlCol="0" anchor="ctr"/>
+          <a:lstStyle/>
+          <a:p>
+            <a:pPr algn="ctr"/>
+            <a:endParaRPr lang="es-ES"/>
+          </a:p>
+        </p:txBody>
+      </p:sp>
+      <p:sp>
+        <p:nvSpPr>
+          <p:cNvPr id="7" name="CuadroTexto 6">
+            <a:extLst>
+              <a:ext uri="{FF2B5EF4-FFF2-40B4-BE49-F238E27FC236}">
+                <a16:creationId xmlns:a16="http://schemas.microsoft.com/office/drawing/2014/main" id="{6DFB20AA-9067-4A44-949C-D5D9242BC669}"/>
+              </a:ext>
+            </a:extLst>
+          </p:cNvPr>
+          <p:cNvSpPr txBox="1"/>
+          <p:nvPr/>
+        </p:nvSpPr>
+        <p:spPr>
+          <a:xfrm>
+            <a:off x="7144598" y="3033034"/>
+            <a:ext cx="1486304" cy="461665"/>
+          </a:xfrm>
+          <a:prstGeom prst="rect">
+            <a:avLst/>
+          </a:prstGeom>
+          <a:noFill/>
+        </p:spPr>
+        <p:txBody>
+          <a:bodyPr wrap="none" rtlCol="0">
+            <a:spAutoFit/>
+          </a:bodyPr>
+          <a:lstStyle/>
+          <a:p>
+            <a:r>
+              <a:rPr lang="es-ES" sz="2400" b="1" dirty="0"/>
+              <a:t>/turtlesim</a:t>
+            </a:r>
+          </a:p>
+        </p:txBody>
+      </p:sp>
+      <p:cxnSp>
+        <p:nvCxnSpPr>
+          <p:cNvPr id="9" name="Conector recto de flecha 8">
+            <a:extLst>
+              <a:ext uri="{FF2B5EF4-FFF2-40B4-BE49-F238E27FC236}">
+                <a16:creationId xmlns:a16="http://schemas.microsoft.com/office/drawing/2014/main" id="{7624714B-E194-40CC-BB01-C16749DB194C}"/>
+              </a:ext>
+            </a:extLst>
+          </p:cNvPr>
+          <p:cNvCxnSpPr>
+            <a:stCxn id="4" idx="6"/>
+            <a:endCxn id="6" idx="2"/>
+          </p:cNvCxnSpPr>
+          <p:nvPr/>
+        </p:nvCxnSpPr>
+        <p:spPr>
+          <a:xfrm>
+            <a:off x="3880951" y="3284738"/>
+            <a:ext cx="2539084" cy="0"/>
+          </a:xfrm>
+          <a:prstGeom prst="straightConnector1">
+            <a:avLst/>
+          </a:prstGeom>
+          <a:ln w="57150">
+            <a:solidFill>
+              <a:srgbClr val="FF0000"/>
+            </a:solidFill>
+            <a:tailEnd type="triangle"/>
+          </a:ln>
+        </p:spPr>
+        <p:style>
+          <a:lnRef idx="1">
+            <a:schemeClr val="accent1"/>
+          </a:lnRef>
+          <a:fillRef idx="0">
+            <a:schemeClr val="accent1"/>
+          </a:fillRef>
+          <a:effectRef idx="0">
+            <a:schemeClr val="accent1"/>
+          </a:effectRef>
+          <a:fontRef idx="minor">
+            <a:schemeClr val="tx1"/>
+          </a:fontRef>
+        </p:style>
+      </p:cxnSp>
+      <p:sp>
+        <p:nvSpPr>
+          <p:cNvPr id="10" name="CuadroTexto 9">
+            <a:extLst>
+              <a:ext uri="{FF2B5EF4-FFF2-40B4-BE49-F238E27FC236}">
+                <a16:creationId xmlns:a16="http://schemas.microsoft.com/office/drawing/2014/main" id="{DEA475BC-1ABC-4105-AD9B-5BF70113411B}"/>
+              </a:ext>
+            </a:extLst>
+          </p:cNvPr>
+          <p:cNvSpPr txBox="1"/>
+          <p:nvPr/>
+        </p:nvSpPr>
+        <p:spPr>
+          <a:xfrm>
+            <a:off x="4110663" y="2674668"/>
+            <a:ext cx="2021066" cy="400110"/>
+          </a:xfrm>
+          <a:prstGeom prst="rect">
+            <a:avLst/>
+          </a:prstGeom>
+          <a:noFill/>
+        </p:spPr>
+        <p:txBody>
+          <a:bodyPr wrap="none" rtlCol="0">
+            <a:spAutoFit/>
+          </a:bodyPr>
+          <a:lstStyle/>
+          <a:p>
+            <a:r>
+              <a:rPr lang="es-ES" sz="2000" b="1" dirty="0">
+                <a:solidFill>
+                  <a:srgbClr val="FF0000"/>
+                </a:solidFill>
+              </a:rPr>
+              <a:t>/turtle1/cmd_vel</a:t>
+            </a:r>
+          </a:p>
+        </p:txBody>
+      </p:sp>
+      <p:sp>
+        <p:nvSpPr>
+          <p:cNvPr id="11" name="CuadroTexto 10">
+            <a:extLst>
+              <a:ext uri="{FF2B5EF4-FFF2-40B4-BE49-F238E27FC236}">
+                <a16:creationId xmlns:a16="http://schemas.microsoft.com/office/drawing/2014/main" id="{12CE9C5A-06FB-478C-B6FF-501615FE79EF}"/>
+              </a:ext>
+            </a:extLst>
+          </p:cNvPr>
+          <p:cNvSpPr txBox="1"/>
+          <p:nvPr/>
+        </p:nvSpPr>
+        <p:spPr>
+          <a:xfrm>
+            <a:off x="4024126" y="3494699"/>
+            <a:ext cx="2252733" cy="369332"/>
+          </a:xfrm>
+          <a:prstGeom prst="rect">
+            <a:avLst/>
+          </a:prstGeom>
+          <a:noFill/>
+        </p:spPr>
+        <p:txBody>
+          <a:bodyPr wrap="none" rtlCol="0">
+            <a:spAutoFit/>
+          </a:bodyPr>
+          <a:lstStyle/>
+          <a:p>
+            <a:r>
+              <a:rPr lang="es-ES" dirty="0"/>
+              <a:t>geometry_msgs/Twist</a:t>
+            </a:r>
+          </a:p>
+        </p:txBody>
+      </p:sp>
+      <p:cxnSp>
+        <p:nvCxnSpPr>
+          <p:cNvPr id="12" name="Conector recto de flecha 11">
+            <a:extLst>
+              <a:ext uri="{FF2B5EF4-FFF2-40B4-BE49-F238E27FC236}">
+                <a16:creationId xmlns:a16="http://schemas.microsoft.com/office/drawing/2014/main" id="{3895EBFE-A910-4DF8-A19C-3968FD55DC46}"/>
+              </a:ext>
+            </a:extLst>
+          </p:cNvPr>
+          <p:cNvCxnSpPr>
+            <a:cxnSpLocks/>
+          </p:cNvCxnSpPr>
+          <p:nvPr/>
+        </p:nvCxnSpPr>
+        <p:spPr>
+          <a:xfrm>
+            <a:off x="9461571" y="3284738"/>
+            <a:ext cx="2086380" cy="0"/>
+          </a:xfrm>
+          <a:prstGeom prst="straightConnector1">
+            <a:avLst/>
+          </a:prstGeom>
+          <a:ln w="57150">
+            <a:solidFill>
+              <a:srgbClr val="FF0000"/>
+            </a:solidFill>
+            <a:tailEnd type="triangle"/>
+          </a:ln>
+        </p:spPr>
+        <p:style>
+          <a:lnRef idx="1">
+            <a:schemeClr val="accent1"/>
+          </a:lnRef>
+          <a:fillRef idx="0">
+            <a:schemeClr val="accent1"/>
+          </a:fillRef>
+          <a:effectRef idx="0">
+            <a:schemeClr val="accent1"/>
+          </a:effectRef>
+          <a:fontRef idx="minor">
+            <a:schemeClr val="tx1"/>
+          </a:fontRef>
+        </p:style>
+      </p:cxnSp>
+      <p:sp>
+        <p:nvSpPr>
+          <p:cNvPr id="13" name="CuadroTexto 12">
+            <a:extLst>
+              <a:ext uri="{FF2B5EF4-FFF2-40B4-BE49-F238E27FC236}">
+                <a16:creationId xmlns:a16="http://schemas.microsoft.com/office/drawing/2014/main" id="{62613C97-961B-4899-98E9-B09ACA8656DB}"/>
+              </a:ext>
+            </a:extLst>
+          </p:cNvPr>
+          <p:cNvSpPr txBox="1"/>
+          <p:nvPr/>
+        </p:nvSpPr>
+        <p:spPr>
+          <a:xfrm>
+            <a:off x="9646249" y="2743200"/>
+            <a:ext cx="1641796" cy="400110"/>
+          </a:xfrm>
+          <a:prstGeom prst="rect">
+            <a:avLst/>
+          </a:prstGeom>
+          <a:noFill/>
+        </p:spPr>
+        <p:txBody>
+          <a:bodyPr wrap="none" rtlCol="0">
+            <a:spAutoFit/>
+          </a:bodyPr>
+          <a:lstStyle/>
+          <a:p>
+            <a:r>
+              <a:rPr lang="es-ES" sz="2000" b="1" dirty="0">
+                <a:solidFill>
+                  <a:srgbClr val="FF0000"/>
+                </a:solidFill>
+              </a:rPr>
+              <a:t>/turtle1/pose</a:t>
+            </a:r>
+          </a:p>
+        </p:txBody>
+      </p:sp>
+      <p:sp>
+        <p:nvSpPr>
+          <p:cNvPr id="14" name="CuadroTexto 13">
+            <a:extLst>
+              <a:ext uri="{FF2B5EF4-FFF2-40B4-BE49-F238E27FC236}">
+                <a16:creationId xmlns:a16="http://schemas.microsoft.com/office/drawing/2014/main" id="{CBD47678-4B02-4352-BC23-BF04474C4A26}"/>
+              </a:ext>
+            </a:extLst>
+          </p:cNvPr>
+          <p:cNvSpPr txBox="1"/>
+          <p:nvPr/>
+        </p:nvSpPr>
+        <p:spPr>
+          <a:xfrm>
+            <a:off x="9393002" y="3494699"/>
+            <a:ext cx="2154949" cy="369332"/>
+          </a:xfrm>
+          <a:prstGeom prst="rect">
+            <a:avLst/>
+          </a:prstGeom>
+          <a:noFill/>
+        </p:spPr>
+        <p:txBody>
+          <a:bodyPr wrap="none" rtlCol="0">
+            <a:spAutoFit/>
+          </a:bodyPr>
+          <a:lstStyle/>
+          <a:p>
+            <a:r>
+              <a:rPr lang="es-ES" dirty="0"/>
+              <a:t>turtlesim_msgs/Pose</a:t>
+            </a:r>
+          </a:p>
+        </p:txBody>
+      </p:sp>
+      <p:sp>
+        <p:nvSpPr>
+          <p:cNvPr id="2" name="TextBox 1">
+            <a:extLst>
+              <a:ext uri="{FF2B5EF4-FFF2-40B4-BE49-F238E27FC236}">
+                <a16:creationId xmlns:a16="http://schemas.microsoft.com/office/drawing/2014/main" id="{6F6743F6-DD8D-D3AA-8653-12034C212FE0}"/>
+              </a:ext>
+            </a:extLst>
+          </p:cNvPr>
+          <p:cNvSpPr txBox="1"/>
+          <p:nvPr/>
+        </p:nvSpPr>
+        <p:spPr>
+          <a:xfrm>
+            <a:off x="1902711" y="1738265"/>
+            <a:ext cx="1096775" cy="461665"/>
+          </a:xfrm>
+          <a:prstGeom prst="rect">
+            <a:avLst/>
+          </a:prstGeom>
+          <a:noFill/>
+        </p:spPr>
+        <p:txBody>
+          <a:bodyPr wrap="none" rtlCol="0">
+            <a:spAutoFit/>
+          </a:bodyPr>
+          <a:lstStyle/>
+          <a:p>
+            <a:r>
+              <a:rPr lang="es-ES" sz="2400" b="1" dirty="0"/>
+              <a:t>Node 1</a:t>
+            </a:r>
+            <a:endParaRPr lang="en-GB" sz="2400" b="1" dirty="0"/>
+          </a:p>
+        </p:txBody>
+      </p:sp>
+      <p:sp>
+        <p:nvSpPr>
+          <p:cNvPr id="8" name="TextBox 7">
+            <a:extLst>
+              <a:ext uri="{FF2B5EF4-FFF2-40B4-BE49-F238E27FC236}">
+                <a16:creationId xmlns:a16="http://schemas.microsoft.com/office/drawing/2014/main" id="{AEDDF624-6B05-7E1E-6620-6A56842159F3}"/>
+              </a:ext>
+            </a:extLst>
+          </p:cNvPr>
+          <p:cNvSpPr txBox="1"/>
+          <p:nvPr/>
+        </p:nvSpPr>
+        <p:spPr>
+          <a:xfrm>
+            <a:off x="7375565" y="1741951"/>
+            <a:ext cx="1096775" cy="461665"/>
+          </a:xfrm>
+          <a:prstGeom prst="rect">
+            <a:avLst/>
+          </a:prstGeom>
+          <a:noFill/>
+        </p:spPr>
+        <p:txBody>
+          <a:bodyPr wrap="none" rtlCol="0">
+            <a:spAutoFit/>
+          </a:bodyPr>
+          <a:lstStyle/>
+          <a:p>
+            <a:r>
+              <a:rPr lang="es-ES" sz="2400" b="1" dirty="0"/>
+              <a:t>Node 2</a:t>
+            </a:r>
+            <a:endParaRPr lang="en-GB" sz="2400" b="1" dirty="0"/>
+          </a:p>
+        </p:txBody>
+      </p:sp>
+    </p:spTree>
+    <p:extLst>
+      <p:ext uri="{BB962C8B-B14F-4D97-AF65-F5344CB8AC3E}">
+        <p14:creationId xmlns:p14="http://schemas.microsoft.com/office/powerpoint/2010/main" val="2253936689"/>
+      </p:ext>
+    </p:extLst>
+  </p:cSld>
+  <p:clrMapOvr>
+    <a:masterClrMapping/>
+  </p:clrMapOvr>
+</p:sld>
+</file>
+
+<file path=ppt/slides/slide3.xml><?xml version="1.0" encoding="utf-8"?>
+<p:sld xmlns:a="http://schemas.openxmlformats.org/drawingml/2006/main" xmlns:r="http://schemas.openxmlformats.org/officeDocument/2006/relationships" xmlns:p="http://schemas.openxmlformats.org/presentationml/2006/main">
+  <p:cSld>
+    <p:spTree>
+      <p:nvGrpSpPr>
+        <p:cNvPr id="1" name=""/>
+        <p:cNvGrpSpPr/>
+        <p:nvPr/>
+      </p:nvGrpSpPr>
+      <p:grpSpPr>
+        <a:xfrm>
+          <a:off x="0" y="0"/>
+          <a:ext cx="0" cy="0"/>
+          <a:chOff x="0" y="0"/>
+          <a:chExt cx="0" cy="0"/>
+        </a:xfrm>
+      </p:grpSpPr>
+      <p:sp>
+        <p:nvSpPr>
+          <p:cNvPr id="4" name="Elipse 3">
+            <a:extLst>
+              <a:ext uri="{FF2B5EF4-FFF2-40B4-BE49-F238E27FC236}">
+                <a16:creationId xmlns:a16="http://schemas.microsoft.com/office/drawing/2014/main" id="{BDAB1ED8-1EC5-4AE6-A077-D77A8D32DA99}"/>
+              </a:ext>
+            </a:extLst>
+          </p:cNvPr>
+          <p:cNvSpPr/>
+          <p:nvPr/>
+        </p:nvSpPr>
+        <p:spPr>
+          <a:xfrm>
+            <a:off x="853666" y="2343705"/>
+            <a:ext cx="3027285" cy="1882066"/>
+          </a:xfrm>
+          <a:prstGeom prst="ellipse">
+            <a:avLst/>
+          </a:prstGeom>
+          <a:noFill/>
+          <a:ln w="38100"/>
+        </p:spPr>
+        <p:style>
+          <a:lnRef idx="2">
+            <a:schemeClr val="accent1">
+              <a:shade val="50000"/>
+            </a:schemeClr>
+          </a:lnRef>
+          <a:fillRef idx="1">
+            <a:schemeClr val="accent1"/>
+          </a:fillRef>
+          <a:effectRef idx="0">
+            <a:schemeClr val="accent1"/>
+          </a:effectRef>
+          <a:fontRef idx="minor">
+            <a:schemeClr val="lt1"/>
+          </a:fontRef>
+        </p:style>
+        <p:txBody>
+          <a:bodyPr rtlCol="0" anchor="ctr"/>
+          <a:lstStyle/>
+          <a:p>
+            <a:pPr algn="ctr"/>
+            <a:endParaRPr lang="es-ES"/>
+          </a:p>
+        </p:txBody>
+      </p:sp>
+      <p:sp>
+        <p:nvSpPr>
+          <p:cNvPr id="5" name="CuadroTexto 4">
+            <a:extLst>
+              <a:ext uri="{FF2B5EF4-FFF2-40B4-BE49-F238E27FC236}">
+                <a16:creationId xmlns:a16="http://schemas.microsoft.com/office/drawing/2014/main" id="{3E61DCAD-DE6A-4FC8-A384-18089FE65964}"/>
+              </a:ext>
+            </a:extLst>
+          </p:cNvPr>
+          <p:cNvSpPr txBox="1"/>
+          <p:nvPr/>
+        </p:nvSpPr>
+        <p:spPr>
+          <a:xfrm>
+            <a:off x="1433381" y="3023981"/>
+            <a:ext cx="1904111" cy="461665"/>
+          </a:xfrm>
+          <a:prstGeom prst="rect">
+            <a:avLst/>
+          </a:prstGeom>
+          <a:noFill/>
+        </p:spPr>
+        <p:txBody>
+          <a:bodyPr wrap="none" rtlCol="0">
+            <a:spAutoFit/>
+          </a:bodyPr>
+          <a:lstStyle/>
+          <a:p>
+            <a:r>
+              <a:rPr lang="es-ES" sz="2400" b="1" dirty="0"/>
+              <a:t>/move_turtle</a:t>
+            </a:r>
+          </a:p>
+        </p:txBody>
+      </p:sp>
+      <p:sp>
+        <p:nvSpPr>
+          <p:cNvPr id="6" name="Elipse 5">
+            <a:extLst>
+              <a:ext uri="{FF2B5EF4-FFF2-40B4-BE49-F238E27FC236}">
+                <a16:creationId xmlns:a16="http://schemas.microsoft.com/office/drawing/2014/main" id="{3787780B-C63C-440A-B262-F151DF655203}"/>
+              </a:ext>
+            </a:extLst>
+          </p:cNvPr>
+          <p:cNvSpPr/>
+          <p:nvPr/>
+        </p:nvSpPr>
+        <p:spPr>
+          <a:xfrm>
+            <a:off x="6420035" y="2343705"/>
+            <a:ext cx="3027285" cy="1882066"/>
+          </a:xfrm>
+          <a:prstGeom prst="ellipse">
+            <a:avLst/>
+          </a:prstGeom>
+          <a:noFill/>
+          <a:ln w="38100"/>
+        </p:spPr>
+        <p:style>
+          <a:lnRef idx="2">
+            <a:schemeClr val="accent1">
+              <a:shade val="50000"/>
+            </a:schemeClr>
+          </a:lnRef>
+          <a:fillRef idx="1">
+            <a:schemeClr val="accent1"/>
+          </a:fillRef>
+          <a:effectRef idx="0">
+            <a:schemeClr val="accent1"/>
+          </a:effectRef>
+          <a:fontRef idx="minor">
+            <a:schemeClr val="lt1"/>
+          </a:fontRef>
+        </p:style>
+        <p:txBody>
+          <a:bodyPr rtlCol="0" anchor="ctr"/>
+          <a:lstStyle/>
+          <a:p>
+            <a:pPr algn="ctr"/>
+            <a:endParaRPr lang="es-ES"/>
+          </a:p>
+        </p:txBody>
+      </p:sp>
+      <p:sp>
+        <p:nvSpPr>
+          <p:cNvPr id="7" name="CuadroTexto 6">
+            <a:extLst>
+              <a:ext uri="{FF2B5EF4-FFF2-40B4-BE49-F238E27FC236}">
+                <a16:creationId xmlns:a16="http://schemas.microsoft.com/office/drawing/2014/main" id="{6DFB20AA-9067-4A44-949C-D5D9242BC669}"/>
+              </a:ext>
+            </a:extLst>
+          </p:cNvPr>
+          <p:cNvSpPr txBox="1"/>
+          <p:nvPr/>
+        </p:nvSpPr>
+        <p:spPr>
+          <a:xfrm>
+            <a:off x="7144598" y="3033034"/>
+            <a:ext cx="1486304" cy="461665"/>
+          </a:xfrm>
+          <a:prstGeom prst="rect">
+            <a:avLst/>
+          </a:prstGeom>
+          <a:noFill/>
+        </p:spPr>
+        <p:txBody>
+          <a:bodyPr wrap="none" rtlCol="0">
+            <a:spAutoFit/>
+          </a:bodyPr>
+          <a:lstStyle/>
+          <a:p>
+            <a:r>
+              <a:rPr lang="es-ES" sz="2400" b="1" dirty="0"/>
+              <a:t>/turtlesim</a:t>
+            </a:r>
+          </a:p>
+        </p:txBody>
+      </p:sp>
+      <p:cxnSp>
+        <p:nvCxnSpPr>
+          <p:cNvPr id="9" name="Conector recto de flecha 8">
+            <a:extLst>
+              <a:ext uri="{FF2B5EF4-FFF2-40B4-BE49-F238E27FC236}">
+                <a16:creationId xmlns:a16="http://schemas.microsoft.com/office/drawing/2014/main" id="{7624714B-E194-40CC-BB01-C16749DB194C}"/>
+              </a:ext>
+            </a:extLst>
+          </p:cNvPr>
+          <p:cNvCxnSpPr>
+            <a:stCxn id="4" idx="6"/>
+            <a:endCxn id="6" idx="2"/>
+          </p:cNvCxnSpPr>
+          <p:nvPr/>
+        </p:nvCxnSpPr>
+        <p:spPr>
+          <a:xfrm>
+            <a:off x="3880951" y="3284738"/>
+            <a:ext cx="2539084" cy="0"/>
+          </a:xfrm>
+          <a:prstGeom prst="straightConnector1">
+            <a:avLst/>
+          </a:prstGeom>
+          <a:ln w="57150">
+            <a:solidFill>
+              <a:srgbClr val="FF0000"/>
+            </a:solidFill>
+            <a:tailEnd type="triangle"/>
+          </a:ln>
+        </p:spPr>
+        <p:style>
+          <a:lnRef idx="1">
+            <a:schemeClr val="accent1"/>
+          </a:lnRef>
+          <a:fillRef idx="0">
+            <a:schemeClr val="accent1"/>
+          </a:fillRef>
+          <a:effectRef idx="0">
+            <a:schemeClr val="accent1"/>
+          </a:effectRef>
+          <a:fontRef idx="minor">
+            <a:schemeClr val="tx1"/>
+          </a:fontRef>
+        </p:style>
+      </p:cxnSp>
+      <p:sp>
+        <p:nvSpPr>
+          <p:cNvPr id="10" name="CuadroTexto 9">
+            <a:extLst>
+              <a:ext uri="{FF2B5EF4-FFF2-40B4-BE49-F238E27FC236}">
+                <a16:creationId xmlns:a16="http://schemas.microsoft.com/office/drawing/2014/main" id="{DEA475BC-1ABC-4105-AD9B-5BF70113411B}"/>
+              </a:ext>
+            </a:extLst>
+          </p:cNvPr>
+          <p:cNvSpPr txBox="1"/>
+          <p:nvPr/>
+        </p:nvSpPr>
+        <p:spPr>
+          <a:xfrm>
+            <a:off x="4110663" y="2674668"/>
+            <a:ext cx="2021066" cy="400110"/>
+          </a:xfrm>
+          <a:prstGeom prst="rect">
+            <a:avLst/>
+          </a:prstGeom>
+          <a:noFill/>
+        </p:spPr>
+        <p:txBody>
+          <a:bodyPr wrap="none" rtlCol="0">
+            <a:spAutoFit/>
+          </a:bodyPr>
+          <a:lstStyle/>
+          <a:p>
+            <a:r>
+              <a:rPr lang="es-ES" sz="2000" b="1" dirty="0">
+                <a:solidFill>
+                  <a:srgbClr val="FF0000"/>
+                </a:solidFill>
+              </a:rPr>
+              <a:t>/turtle1/cmd_vel</a:t>
+            </a:r>
+          </a:p>
+        </p:txBody>
+      </p:sp>
+      <p:sp>
+        <p:nvSpPr>
+          <p:cNvPr id="11" name="CuadroTexto 10">
+            <a:extLst>
+              <a:ext uri="{FF2B5EF4-FFF2-40B4-BE49-F238E27FC236}">
+                <a16:creationId xmlns:a16="http://schemas.microsoft.com/office/drawing/2014/main" id="{12CE9C5A-06FB-478C-B6FF-501615FE79EF}"/>
+              </a:ext>
+            </a:extLst>
+          </p:cNvPr>
+          <p:cNvSpPr txBox="1"/>
+          <p:nvPr/>
+        </p:nvSpPr>
+        <p:spPr>
+          <a:xfrm>
+            <a:off x="4024126" y="3494699"/>
+            <a:ext cx="2252733" cy="369332"/>
+          </a:xfrm>
+          <a:prstGeom prst="rect">
+            <a:avLst/>
+          </a:prstGeom>
+          <a:noFill/>
+        </p:spPr>
+        <p:txBody>
+          <a:bodyPr wrap="none" rtlCol="0">
+            <a:spAutoFit/>
+          </a:bodyPr>
+          <a:lstStyle/>
+          <a:p>
+            <a:r>
+              <a:rPr lang="es-ES" dirty="0"/>
+              <a:t>geometry_msgs/Twist</a:t>
+            </a:r>
+          </a:p>
+        </p:txBody>
+      </p:sp>
+      <p:sp>
+        <p:nvSpPr>
+          <p:cNvPr id="13" name="CuadroTexto 12">
+            <a:extLst>
+              <a:ext uri="{FF2B5EF4-FFF2-40B4-BE49-F238E27FC236}">
+                <a16:creationId xmlns:a16="http://schemas.microsoft.com/office/drawing/2014/main" id="{62613C97-961B-4899-98E9-B09ACA8656DB}"/>
+              </a:ext>
+            </a:extLst>
+          </p:cNvPr>
+          <p:cNvSpPr txBox="1"/>
+          <p:nvPr/>
+        </p:nvSpPr>
+        <p:spPr>
+          <a:xfrm>
+            <a:off x="4275608" y="4701977"/>
+            <a:ext cx="1641796" cy="400110"/>
+          </a:xfrm>
+          <a:prstGeom prst="rect">
+            <a:avLst/>
+          </a:prstGeom>
+          <a:noFill/>
+        </p:spPr>
+        <p:txBody>
+          <a:bodyPr wrap="none" rtlCol="0">
+            <a:spAutoFit/>
+          </a:bodyPr>
+          <a:lstStyle/>
+          <a:p>
+            <a:r>
+              <a:rPr lang="es-ES" sz="2000" b="1" dirty="0">
+                <a:solidFill>
+                  <a:srgbClr val="FF0000"/>
+                </a:solidFill>
+              </a:rPr>
+              <a:t>/turtle1/pose</a:t>
+            </a:r>
+          </a:p>
+        </p:txBody>
+      </p:sp>
+      <p:sp>
+        <p:nvSpPr>
+          <p:cNvPr id="14" name="CuadroTexto 13">
+            <a:extLst>
+              <a:ext uri="{FF2B5EF4-FFF2-40B4-BE49-F238E27FC236}">
+                <a16:creationId xmlns:a16="http://schemas.microsoft.com/office/drawing/2014/main" id="{CBD47678-4B02-4352-BC23-BF04474C4A26}"/>
+              </a:ext>
+            </a:extLst>
+          </p:cNvPr>
+          <p:cNvSpPr txBox="1"/>
+          <p:nvPr/>
+        </p:nvSpPr>
+        <p:spPr>
+          <a:xfrm>
+            <a:off x="4019032" y="5397452"/>
+            <a:ext cx="2154949" cy="369332"/>
+          </a:xfrm>
+          <a:prstGeom prst="rect">
+            <a:avLst/>
+          </a:prstGeom>
+          <a:noFill/>
+        </p:spPr>
+        <p:txBody>
+          <a:bodyPr wrap="none" rtlCol="0">
+            <a:spAutoFit/>
+          </a:bodyPr>
+          <a:lstStyle/>
+          <a:p>
+            <a:r>
+              <a:rPr lang="es-ES" dirty="0"/>
+              <a:t>turtlesim_msgs/Pose</a:t>
+            </a:r>
+          </a:p>
+        </p:txBody>
+      </p:sp>
+      <p:sp>
+        <p:nvSpPr>
+          <p:cNvPr id="2" name="TextBox 1">
+            <a:extLst>
+              <a:ext uri="{FF2B5EF4-FFF2-40B4-BE49-F238E27FC236}">
+                <a16:creationId xmlns:a16="http://schemas.microsoft.com/office/drawing/2014/main" id="{6F6743F6-DD8D-D3AA-8653-12034C212FE0}"/>
+              </a:ext>
+            </a:extLst>
+          </p:cNvPr>
+          <p:cNvSpPr txBox="1"/>
+          <p:nvPr/>
+        </p:nvSpPr>
+        <p:spPr>
+          <a:xfrm>
+            <a:off x="1902711" y="1738265"/>
+            <a:ext cx="1096775" cy="461665"/>
+          </a:xfrm>
+          <a:prstGeom prst="rect">
+            <a:avLst/>
+          </a:prstGeom>
+          <a:noFill/>
+        </p:spPr>
+        <p:txBody>
+          <a:bodyPr wrap="none" rtlCol="0">
+            <a:spAutoFit/>
+          </a:bodyPr>
+          <a:lstStyle/>
+          <a:p>
+            <a:r>
+              <a:rPr lang="es-ES" sz="2400" b="1" dirty="0"/>
+              <a:t>Node 1</a:t>
+            </a:r>
+            <a:endParaRPr lang="en-GB" sz="2400" b="1" dirty="0"/>
+          </a:p>
+        </p:txBody>
+      </p:sp>
+      <p:sp>
+        <p:nvSpPr>
+          <p:cNvPr id="8" name="TextBox 7">
+            <a:extLst>
+              <a:ext uri="{FF2B5EF4-FFF2-40B4-BE49-F238E27FC236}">
+                <a16:creationId xmlns:a16="http://schemas.microsoft.com/office/drawing/2014/main" id="{AEDDF624-6B05-7E1E-6620-6A56842159F3}"/>
+              </a:ext>
+            </a:extLst>
+          </p:cNvPr>
+          <p:cNvSpPr txBox="1"/>
+          <p:nvPr/>
+        </p:nvSpPr>
+        <p:spPr>
+          <a:xfrm>
+            <a:off x="7375565" y="1741951"/>
+            <a:ext cx="1096775" cy="461665"/>
+          </a:xfrm>
+          <a:prstGeom prst="rect">
+            <a:avLst/>
+          </a:prstGeom>
+          <a:noFill/>
+        </p:spPr>
+        <p:txBody>
+          <a:bodyPr wrap="none" rtlCol="0">
+            <a:spAutoFit/>
+          </a:bodyPr>
+          <a:lstStyle/>
+          <a:p>
+            <a:r>
+              <a:rPr lang="es-ES" sz="2400" b="1" dirty="0"/>
+              <a:t>Node 2</a:t>
+            </a:r>
+            <a:endParaRPr lang="en-GB" sz="2400" b="1" dirty="0"/>
+          </a:p>
+        </p:txBody>
+      </p:sp>
+      <p:sp>
+        <p:nvSpPr>
+          <p:cNvPr id="3" name="Arc 2">
+            <a:extLst>
+              <a:ext uri="{FF2B5EF4-FFF2-40B4-BE49-F238E27FC236}">
+                <a16:creationId xmlns:a16="http://schemas.microsoft.com/office/drawing/2014/main" id="{7AB86417-A569-57B8-25D0-BF452011A743}"/>
+              </a:ext>
+            </a:extLst>
+          </p:cNvPr>
+          <p:cNvSpPr/>
+          <p:nvPr/>
+        </p:nvSpPr>
+        <p:spPr>
+          <a:xfrm>
+            <a:off x="2145669" y="3079384"/>
+            <a:ext cx="6004970" cy="2216884"/>
+          </a:xfrm>
+          <a:prstGeom prst="arc">
+            <a:avLst>
+              <a:gd name="adj1" fmla="val 29686"/>
+              <a:gd name="adj2" fmla="val 10774776"/>
+            </a:avLst>
+          </a:prstGeom>
+          <a:noFill/>
+          <a:ln w="57150">
+            <a:solidFill>
+              <a:srgbClr val="FF0000"/>
+            </a:solidFill>
+            <a:headEnd type="none" w="med" len="med"/>
+            <a:tailEnd type="triangle" w="med" len="med"/>
+          </a:ln>
+        </p:spPr>
+        <p:style>
+          <a:lnRef idx="1">
+            <a:schemeClr val="accent1"/>
+          </a:lnRef>
+          <a:fillRef idx="0">
+            <a:schemeClr val="accent1"/>
+          </a:fillRef>
+          <a:effectRef idx="0">
+            <a:schemeClr val="accent1"/>
+          </a:effectRef>
+          <a:fontRef idx="minor">
+            <a:schemeClr val="tx1"/>
+          </a:fontRef>
+        </p:style>
+        <p:txBody>
+          <a:bodyPr rtlCol="0" anchor="ctr"/>
+          <a:lstStyle/>
+          <a:p>
+            <a:pPr algn="ctr"/>
+            <a:endParaRPr lang="en-GB"/>
+          </a:p>
+        </p:txBody>
+      </p:sp>
+    </p:spTree>
+    <p:extLst>
+      <p:ext uri="{BB962C8B-B14F-4D97-AF65-F5344CB8AC3E}">
+        <p14:creationId xmlns:p14="http://schemas.microsoft.com/office/powerpoint/2010/main" val="3351824981"/>
+      </p:ext>
+    </p:extLst>
+  </p:cSld>
+  <p:clrMapOvr>
+    <a:masterClrMapping/>
+  </p:clrMapOvr>
+</p:sld>
+</file>
+
+<file path=ppt/slides/slide4.xml><?xml version="1.0" encoding="utf-8"?>
 <p:sld xmlns:a="http://schemas.openxmlformats.org/drawingml/2006/main" xmlns:r="http://schemas.openxmlformats.org/officeDocument/2006/relationships" xmlns:p="http://schemas.openxmlformats.org/presentationml/2006/main">
   <p:cSld>
     <p:spTree>
